--- a/Case Study 3/Foodie Fi.pptx
+++ b/Case Study 3/Foodie Fi.pptx
@@ -211,7 +211,7 @@
           <a:p>
             <a:fld id="{5E1D728D-19B8-41A8-8493-F1356C463BAA}" type="datetimeFigureOut">
               <a:rPr lang="en-IN" smtClean="0"/>
-              <a:t>08-04-2024</a:t>
+              <a:t>15-04-2024</a:t>
             </a:fld>
             <a:endParaRPr lang="en-IN"/>
           </a:p>
@@ -694,7 +694,7 @@
           <a:p>
             <a:fld id="{B9901A85-6E88-4ABC-92CC-DC27B7171F62}" type="datetime1">
               <a:rPr lang="en-IN" smtClean="0"/>
-              <a:t>08-04-2024</a:t>
+              <a:t>15-04-2024</a:t>
             </a:fld>
             <a:endParaRPr lang="en-IN"/>
           </a:p>
@@ -868,7 +868,7 @@
           <a:p>
             <a:fld id="{913D142A-CBD7-4F6C-81DD-000E2B2963F0}" type="datetime1">
               <a:rPr lang="en-IN" smtClean="0"/>
-              <a:t>08-04-2024</a:t>
+              <a:t>15-04-2024</a:t>
             </a:fld>
             <a:endParaRPr lang="en-IN"/>
           </a:p>
@@ -1052,7 +1052,7 @@
           <a:p>
             <a:fld id="{90BEEF99-D8EC-4703-ACBC-FD18EA6A2FCE}" type="datetime1">
               <a:rPr lang="en-IN" smtClean="0"/>
-              <a:t>08-04-2024</a:t>
+              <a:t>15-04-2024</a:t>
             </a:fld>
             <a:endParaRPr lang="en-IN"/>
           </a:p>
@@ -1226,7 +1226,7 @@
           <a:p>
             <a:fld id="{B1F8FD4C-AF1D-4F29-92A6-97777F9E01BE}" type="datetime1">
               <a:rPr lang="en-IN" smtClean="0"/>
-              <a:t>08-04-2024</a:t>
+              <a:t>15-04-2024</a:t>
             </a:fld>
             <a:endParaRPr lang="en-IN"/>
           </a:p>
@@ -1476,7 +1476,7 @@
           <a:p>
             <a:fld id="{551ECAAB-B686-4498-83FB-755CA19C94B2}" type="datetime1">
               <a:rPr lang="en-IN" smtClean="0"/>
-              <a:t>08-04-2024</a:t>
+              <a:t>15-04-2024</a:t>
             </a:fld>
             <a:endParaRPr lang="en-IN"/>
           </a:p>
@@ -1712,7 +1712,7 @@
           <a:p>
             <a:fld id="{3C3A6F3C-B4A4-4CA2-B33C-7836F9A45F29}" type="datetime1">
               <a:rPr lang="en-IN" smtClean="0"/>
-              <a:t>08-04-2024</a:t>
+              <a:t>15-04-2024</a:t>
             </a:fld>
             <a:endParaRPr lang="en-IN"/>
           </a:p>
@@ -2083,7 +2083,7 @@
           <a:p>
             <a:fld id="{EA2F1A75-4367-4094-B98C-468FD5D68C03}" type="datetime1">
               <a:rPr lang="en-IN" smtClean="0"/>
-              <a:t>08-04-2024</a:t>
+              <a:t>15-04-2024</a:t>
             </a:fld>
             <a:endParaRPr lang="en-IN"/>
           </a:p>
@@ -2205,7 +2205,7 @@
           <a:p>
             <a:fld id="{3A0B647B-4961-42C6-89A0-49BCD3348E42}" type="datetime1">
               <a:rPr lang="en-IN" smtClean="0"/>
-              <a:t>08-04-2024</a:t>
+              <a:t>15-04-2024</a:t>
             </a:fld>
             <a:endParaRPr lang="en-IN"/>
           </a:p>
@@ -2304,7 +2304,7 @@
           <a:p>
             <a:fld id="{4AD75715-1904-4B2F-898F-2EEC6BE577A6}" type="datetime1">
               <a:rPr lang="en-IN" smtClean="0"/>
-              <a:t>08-04-2024</a:t>
+              <a:t>15-04-2024</a:t>
             </a:fld>
             <a:endParaRPr lang="en-IN"/>
           </a:p>
@@ -2585,7 +2585,7 @@
           <a:p>
             <a:fld id="{852A6B25-16C9-405F-8A1D-34E3F5ED1748}" type="datetime1">
               <a:rPr lang="en-IN" smtClean="0"/>
-              <a:t>08-04-2024</a:t>
+              <a:t>15-04-2024</a:t>
             </a:fld>
             <a:endParaRPr lang="en-IN"/>
           </a:p>
@@ -2842,7 +2842,7 @@
           <a:p>
             <a:fld id="{530E7DEB-D111-479C-B099-23C94AB571B3}" type="datetime1">
               <a:rPr lang="en-IN" smtClean="0"/>
-              <a:t>08-04-2024</a:t>
+              <a:t>15-04-2024</a:t>
             </a:fld>
             <a:endParaRPr lang="en-IN"/>
           </a:p>
@@ -3059,7 +3059,7 @@
           <a:p>
             <a:fld id="{6DB56A03-6BF2-4896-965D-4027C94D29B3}" type="datetime1">
               <a:rPr lang="en-IN" smtClean="0"/>
-              <a:t>08-04-2024</a:t>
+              <a:t>15-04-2024</a:t>
             </a:fld>
             <a:endParaRPr lang="en-IN"/>
           </a:p>
@@ -3481,7 +3481,7 @@
         </p:nvSpPr>
         <p:spPr>
           <a:xfrm>
-            <a:off x="400664" y="108947"/>
+            <a:off x="113281" y="178616"/>
             <a:ext cx="4554514" cy="1600200"/>
           </a:xfrm>
         </p:spPr>
@@ -3584,7 +3584,7 @@
           <a:p>
             <a:fld id="{7E27AD36-0DF4-41F6-859C-4EC4FA1C1F65}" type="datetime1">
               <a:rPr lang="en-IN" smtClean="0"/>
-              <a:t>08-04-2024</a:t>
+              <a:t>15-04-2024</a:t>
             </a:fld>
             <a:endParaRPr lang="en-IN"/>
           </a:p>
@@ -3771,7 +3771,7 @@
           <a:p>
             <a:fld id="{3C3A6F3C-B4A4-4CA2-B33C-7836F9A45F29}" type="datetime1">
               <a:rPr lang="en-IN" smtClean="0"/>
-              <a:t>08-04-2024</a:t>
+              <a:t>15-04-2024</a:t>
             </a:fld>
             <a:endParaRPr lang="en-IN"/>
           </a:p>
@@ -3961,7 +3961,7 @@
           <a:p>
             <a:fld id="{3C3A6F3C-B4A4-4CA2-B33C-7836F9A45F29}" type="datetime1">
               <a:rPr lang="en-IN" smtClean="0"/>
-              <a:t>08-04-2024</a:t>
+              <a:t>15-04-2024</a:t>
             </a:fld>
             <a:endParaRPr lang="en-IN"/>
           </a:p>
@@ -4112,7 +4112,7 @@
           <a:p>
             <a:fld id="{B1F8FD4C-AF1D-4F29-92A6-97777F9E01BE}" type="datetime1">
               <a:rPr lang="en-IN" smtClean="0"/>
-              <a:t>08-04-2024</a:t>
+              <a:t>15-04-2024</a:t>
             </a:fld>
             <a:endParaRPr lang="en-IN"/>
           </a:p>
@@ -4273,7 +4273,7 @@
           <a:p>
             <a:fld id="{B1F8FD4C-AF1D-4F29-92A6-97777F9E01BE}" type="datetime1">
               <a:rPr lang="en-IN" smtClean="0"/>
-              <a:t>08-04-2024</a:t>
+              <a:t>15-04-2024</a:t>
             </a:fld>
             <a:endParaRPr lang="en-IN"/>
           </a:p>
@@ -4463,7 +4463,7 @@
           <a:p>
             <a:fld id="{3C3A6F3C-B4A4-4CA2-B33C-7836F9A45F29}" type="datetime1">
               <a:rPr lang="en-IN" smtClean="0"/>
-              <a:t>08-04-2024</a:t>
+              <a:t>15-04-2024</a:t>
             </a:fld>
             <a:endParaRPr lang="en-IN"/>
           </a:p>
@@ -4642,7 +4642,7 @@
           <a:p>
             <a:fld id="{3C3A6F3C-B4A4-4CA2-B33C-7836F9A45F29}" type="datetime1">
               <a:rPr lang="en-IN" smtClean="0"/>
-              <a:t>08-04-2024</a:t>
+              <a:t>15-04-2024</a:t>
             </a:fld>
             <a:endParaRPr lang="en-IN"/>
           </a:p>
@@ -4819,7 +4819,7 @@
           <a:p>
             <a:fld id="{B1F8FD4C-AF1D-4F29-92A6-97777F9E01BE}" type="datetime1">
               <a:rPr lang="en-IN" smtClean="0"/>
-              <a:t>08-04-2024</a:t>
+              <a:t>15-04-2024</a:t>
             </a:fld>
             <a:endParaRPr lang="en-IN"/>
           </a:p>
@@ -4973,7 +4973,7 @@
           <a:p>
             <a:fld id="{B1F8FD4C-AF1D-4F29-92A6-97777F9E01BE}" type="datetime1">
               <a:rPr lang="en-IN" smtClean="0"/>
-              <a:t>08-04-2024</a:t>
+              <a:t>15-04-2024</a:t>
             </a:fld>
             <a:endParaRPr lang="en-IN"/>
           </a:p>
@@ -5109,8 +5109,8 @@
         </p:nvSpPr>
         <p:spPr>
           <a:xfrm>
-            <a:off x="838199" y="1825625"/>
-            <a:ext cx="5932405" cy="4351338"/>
+            <a:off x="838199" y="1687785"/>
+            <a:ext cx="5932405" cy="4665662"/>
           </a:xfrm>
         </p:spPr>
         <p:txBody>
@@ -5202,7 +5202,7 @@
           <a:p>
             <a:fld id="{3C3A6F3C-B4A4-4CA2-B33C-7836F9A45F29}" type="datetime1">
               <a:rPr lang="en-IN" smtClean="0"/>
-              <a:t>08-04-2024</a:t>
+              <a:t>15-04-2024</a:t>
             </a:fld>
             <a:endParaRPr lang="en-IN"/>
           </a:p>
@@ -5374,7 +5374,7 @@
           <a:p>
             <a:fld id="{B1F8FD4C-AF1D-4F29-92A6-97777F9E01BE}" type="datetime1">
               <a:rPr lang="en-IN" smtClean="0"/>
-              <a:t>08-04-2024</a:t>
+              <a:t>15-04-2024</a:t>
             </a:fld>
             <a:endParaRPr lang="en-IN"/>
           </a:p>
@@ -5572,7 +5572,7 @@
           <a:p>
             <a:fld id="{3C3A6F3C-B4A4-4CA2-B33C-7836F9A45F29}" type="datetime1">
               <a:rPr lang="en-IN" smtClean="0"/>
-              <a:t>08-04-2024</a:t>
+              <a:t>15-04-2024</a:t>
             </a:fld>
             <a:endParaRPr lang="en-IN"/>
           </a:p>
@@ -5737,7 +5737,7 @@
           <a:p>
             <a:fld id="{B1F8FD4C-AF1D-4F29-92A6-97777F9E01BE}" type="datetime1">
               <a:rPr lang="en-IN" smtClean="0"/>
-              <a:t>08-04-2024</a:t>
+              <a:t>15-04-2024</a:t>
             </a:fld>
             <a:endParaRPr lang="en-IN"/>
           </a:p>
@@ -5890,7 +5890,7 @@
           <a:p>
             <a:fld id="{3C3A6F3C-B4A4-4CA2-B33C-7836F9A45F29}" type="datetime1">
               <a:rPr lang="en-IN" smtClean="0"/>
-              <a:t>08-04-2024</a:t>
+              <a:t>15-04-2024</a:t>
             </a:fld>
             <a:endParaRPr lang="en-IN"/>
           </a:p>
@@ -6051,7 +6051,7 @@
           <a:p>
             <a:fld id="{3C3A6F3C-B4A4-4CA2-B33C-7836F9A45F29}" type="datetime1">
               <a:rPr lang="en-IN" smtClean="0"/>
-              <a:t>08-04-2024</a:t>
+              <a:t>15-04-2024</a:t>
             </a:fld>
             <a:endParaRPr lang="en-IN"/>
           </a:p>

--- a/Case Study 3/Foodie Fi.pptx
+++ b/Case Study 3/Foodie Fi.pptx
@@ -211,7 +211,7 @@
           <a:p>
             <a:fld id="{5E1D728D-19B8-41A8-8493-F1356C463BAA}" type="datetimeFigureOut">
               <a:rPr lang="en-IN" smtClean="0"/>
-              <a:t>15-04-2024</a:t>
+              <a:t>17-04-2024</a:t>
             </a:fld>
             <a:endParaRPr lang="en-IN"/>
           </a:p>
@@ -694,7 +694,7 @@
           <a:p>
             <a:fld id="{B9901A85-6E88-4ABC-92CC-DC27B7171F62}" type="datetime1">
               <a:rPr lang="en-IN" smtClean="0"/>
-              <a:t>15-04-2024</a:t>
+              <a:t>17-04-2024</a:t>
             </a:fld>
             <a:endParaRPr lang="en-IN"/>
           </a:p>
@@ -868,7 +868,7 @@
           <a:p>
             <a:fld id="{913D142A-CBD7-4F6C-81DD-000E2B2963F0}" type="datetime1">
               <a:rPr lang="en-IN" smtClean="0"/>
-              <a:t>15-04-2024</a:t>
+              <a:t>17-04-2024</a:t>
             </a:fld>
             <a:endParaRPr lang="en-IN"/>
           </a:p>
@@ -1052,7 +1052,7 @@
           <a:p>
             <a:fld id="{90BEEF99-D8EC-4703-ACBC-FD18EA6A2FCE}" type="datetime1">
               <a:rPr lang="en-IN" smtClean="0"/>
-              <a:t>15-04-2024</a:t>
+              <a:t>17-04-2024</a:t>
             </a:fld>
             <a:endParaRPr lang="en-IN"/>
           </a:p>
@@ -1226,7 +1226,7 @@
           <a:p>
             <a:fld id="{B1F8FD4C-AF1D-4F29-92A6-97777F9E01BE}" type="datetime1">
               <a:rPr lang="en-IN" smtClean="0"/>
-              <a:t>15-04-2024</a:t>
+              <a:t>17-04-2024</a:t>
             </a:fld>
             <a:endParaRPr lang="en-IN"/>
           </a:p>
@@ -1476,7 +1476,7 @@
           <a:p>
             <a:fld id="{551ECAAB-B686-4498-83FB-755CA19C94B2}" type="datetime1">
               <a:rPr lang="en-IN" smtClean="0"/>
-              <a:t>15-04-2024</a:t>
+              <a:t>17-04-2024</a:t>
             </a:fld>
             <a:endParaRPr lang="en-IN"/>
           </a:p>
@@ -1712,7 +1712,7 @@
           <a:p>
             <a:fld id="{3C3A6F3C-B4A4-4CA2-B33C-7836F9A45F29}" type="datetime1">
               <a:rPr lang="en-IN" smtClean="0"/>
-              <a:t>15-04-2024</a:t>
+              <a:t>17-04-2024</a:t>
             </a:fld>
             <a:endParaRPr lang="en-IN"/>
           </a:p>
@@ -2083,7 +2083,7 @@
           <a:p>
             <a:fld id="{EA2F1A75-4367-4094-B98C-468FD5D68C03}" type="datetime1">
               <a:rPr lang="en-IN" smtClean="0"/>
-              <a:t>15-04-2024</a:t>
+              <a:t>17-04-2024</a:t>
             </a:fld>
             <a:endParaRPr lang="en-IN"/>
           </a:p>
@@ -2205,7 +2205,7 @@
           <a:p>
             <a:fld id="{3A0B647B-4961-42C6-89A0-49BCD3348E42}" type="datetime1">
               <a:rPr lang="en-IN" smtClean="0"/>
-              <a:t>15-04-2024</a:t>
+              <a:t>17-04-2024</a:t>
             </a:fld>
             <a:endParaRPr lang="en-IN"/>
           </a:p>
@@ -2304,7 +2304,7 @@
           <a:p>
             <a:fld id="{4AD75715-1904-4B2F-898F-2EEC6BE577A6}" type="datetime1">
               <a:rPr lang="en-IN" smtClean="0"/>
-              <a:t>15-04-2024</a:t>
+              <a:t>17-04-2024</a:t>
             </a:fld>
             <a:endParaRPr lang="en-IN"/>
           </a:p>
@@ -2585,7 +2585,7 @@
           <a:p>
             <a:fld id="{852A6B25-16C9-405F-8A1D-34E3F5ED1748}" type="datetime1">
               <a:rPr lang="en-IN" smtClean="0"/>
-              <a:t>15-04-2024</a:t>
+              <a:t>17-04-2024</a:t>
             </a:fld>
             <a:endParaRPr lang="en-IN"/>
           </a:p>
@@ -2842,7 +2842,7 @@
           <a:p>
             <a:fld id="{530E7DEB-D111-479C-B099-23C94AB571B3}" type="datetime1">
               <a:rPr lang="en-IN" smtClean="0"/>
-              <a:t>15-04-2024</a:t>
+              <a:t>17-04-2024</a:t>
             </a:fld>
             <a:endParaRPr lang="en-IN"/>
           </a:p>
@@ -3059,7 +3059,7 @@
           <a:p>
             <a:fld id="{6DB56A03-6BF2-4896-965D-4027C94D29B3}" type="datetime1">
               <a:rPr lang="en-IN" smtClean="0"/>
-              <a:t>15-04-2024</a:t>
+              <a:t>17-04-2024</a:t>
             </a:fld>
             <a:endParaRPr lang="en-IN"/>
           </a:p>
@@ -3559,7 +3559,15 @@
           <a:p>
             <a:r>
               <a:rPr lang="en-IN" sz="4400" b="1" dirty="0"/>
-              <a:t>Case Study #3 - Foodie-Fi</a:t>
+              <a:t>Case Study #3 </a:t>
+            </a:r>
+            <a:r>
+              <a:rPr lang="en-IN" sz="4400" b="1" dirty="0" smtClean="0"/>
+              <a:t> </a:t>
+            </a:r>
+            <a:r>
+              <a:rPr lang="en-IN" sz="4400" b="1" dirty="0"/>
+              <a:t>Foodie-Fi</a:t>
             </a:r>
           </a:p>
           <a:p>
@@ -3584,7 +3592,7 @@
           <a:p>
             <a:fld id="{7E27AD36-0DF4-41F6-859C-4EC4FA1C1F65}" type="datetime1">
               <a:rPr lang="en-IN" smtClean="0"/>
-              <a:t>15-04-2024</a:t>
+              <a:t>17-04-2024</a:t>
             </a:fld>
             <a:endParaRPr lang="en-IN"/>
           </a:p>
@@ -3771,7 +3779,7 @@
           <a:p>
             <a:fld id="{3C3A6F3C-B4A4-4CA2-B33C-7836F9A45F29}" type="datetime1">
               <a:rPr lang="en-IN" smtClean="0"/>
-              <a:t>15-04-2024</a:t>
+              <a:t>17-04-2024</a:t>
             </a:fld>
             <a:endParaRPr lang="en-IN"/>
           </a:p>
@@ -3961,7 +3969,7 @@
           <a:p>
             <a:fld id="{3C3A6F3C-B4A4-4CA2-B33C-7836F9A45F29}" type="datetime1">
               <a:rPr lang="en-IN" smtClean="0"/>
-              <a:t>15-04-2024</a:t>
+              <a:t>17-04-2024</a:t>
             </a:fld>
             <a:endParaRPr lang="en-IN"/>
           </a:p>
@@ -4112,7 +4120,7 @@
           <a:p>
             <a:fld id="{B1F8FD4C-AF1D-4F29-92A6-97777F9E01BE}" type="datetime1">
               <a:rPr lang="en-IN" smtClean="0"/>
-              <a:t>15-04-2024</a:t>
+              <a:t>17-04-2024</a:t>
             </a:fld>
             <a:endParaRPr lang="en-IN"/>
           </a:p>
@@ -4273,7 +4281,7 @@
           <a:p>
             <a:fld id="{B1F8FD4C-AF1D-4F29-92A6-97777F9E01BE}" type="datetime1">
               <a:rPr lang="en-IN" smtClean="0"/>
-              <a:t>15-04-2024</a:t>
+              <a:t>17-04-2024</a:t>
             </a:fld>
             <a:endParaRPr lang="en-IN"/>
           </a:p>
@@ -4463,7 +4471,7 @@
           <a:p>
             <a:fld id="{3C3A6F3C-B4A4-4CA2-B33C-7836F9A45F29}" type="datetime1">
               <a:rPr lang="en-IN" smtClean="0"/>
-              <a:t>15-04-2024</a:t>
+              <a:t>17-04-2024</a:t>
             </a:fld>
             <a:endParaRPr lang="en-IN"/>
           </a:p>
@@ -4642,7 +4650,7 @@
           <a:p>
             <a:fld id="{3C3A6F3C-B4A4-4CA2-B33C-7836F9A45F29}" type="datetime1">
               <a:rPr lang="en-IN" smtClean="0"/>
-              <a:t>15-04-2024</a:t>
+              <a:t>17-04-2024</a:t>
             </a:fld>
             <a:endParaRPr lang="en-IN"/>
           </a:p>
@@ -4760,10 +4768,15 @@
             <p:ph idx="1"/>
           </p:nvPr>
         </p:nvSpPr>
-        <p:spPr/>
+        <p:spPr>
+          <a:xfrm>
+            <a:off x="838200" y="1323703"/>
+            <a:ext cx="10515600" cy="4853260"/>
+          </a:xfrm>
+        </p:spPr>
         <p:txBody>
           <a:bodyPr>
-            <a:normAutofit fontScale="92500" lnSpcReduction="10000"/>
+            <a:normAutofit lnSpcReduction="10000"/>
           </a:bodyPr>
           <a:lstStyle/>
           <a:p>
@@ -4819,7 +4832,7 @@
           <a:p>
             <a:fld id="{B1F8FD4C-AF1D-4F29-92A6-97777F9E01BE}" type="datetime1">
               <a:rPr lang="en-IN" smtClean="0"/>
-              <a:t>15-04-2024</a:t>
+              <a:t>17-04-2024</a:t>
             </a:fld>
             <a:endParaRPr lang="en-IN"/>
           </a:p>
@@ -4973,7 +4986,7 @@
           <a:p>
             <a:fld id="{B1F8FD4C-AF1D-4F29-92A6-97777F9E01BE}" type="datetime1">
               <a:rPr lang="en-IN" smtClean="0"/>
-              <a:t>15-04-2024</a:t>
+              <a:t>17-04-2024</a:t>
             </a:fld>
             <a:endParaRPr lang="en-IN"/>
           </a:p>
@@ -5065,7 +5078,12 @@
             <p:ph type="title"/>
           </p:nvPr>
         </p:nvSpPr>
-        <p:spPr/>
+        <p:spPr>
+          <a:xfrm>
+            <a:off x="838200" y="365125"/>
+            <a:ext cx="5932405" cy="1325563"/>
+          </a:xfrm>
+        </p:spPr>
         <p:txBody>
           <a:bodyPr/>
           <a:lstStyle/>
@@ -5109,8 +5127,8 @@
         </p:nvSpPr>
         <p:spPr>
           <a:xfrm>
-            <a:off x="838199" y="1687785"/>
-            <a:ext cx="5932405" cy="4665662"/>
+            <a:off x="315685" y="1689237"/>
+            <a:ext cx="6454920" cy="4665662"/>
           </a:xfrm>
         </p:spPr>
         <p:txBody>
@@ -5124,11 +5142,11 @@
               <a:buAutoNum type="arabicPeriod"/>
             </a:pPr>
             <a:r>
-              <a:rPr lang="en-US" sz="2000" dirty="0"/>
+              <a:rPr lang="en-US" sz="2400" dirty="0"/>
               <a:t>Based off the 8 sample customers provided in the sample from the subscriptions table, write a brief description about each customer’s onboarding journey</a:t>
             </a:r>
             <a:r>
-              <a:rPr lang="en-US" sz="2000" dirty="0" smtClean="0"/>
+              <a:rPr lang="en-US" sz="2400" dirty="0" smtClean="0"/>
               <a:t>.</a:t>
             </a:r>
           </a:p>
@@ -5180,8 +5198,8 @@
         </p:blipFill>
         <p:spPr>
           <a:xfrm>
-            <a:off x="6770605" y="1690688"/>
-            <a:ext cx="4428617" cy="4662759"/>
+            <a:off x="6770605" y="1113020"/>
+            <a:ext cx="4978656" cy="5241879"/>
           </a:xfrm>
         </p:spPr>
       </p:pic>
@@ -5202,7 +5220,7 @@
           <a:p>
             <a:fld id="{3C3A6F3C-B4A4-4CA2-B33C-7836F9A45F29}" type="datetime1">
               <a:rPr lang="en-IN" smtClean="0"/>
-              <a:t>15-04-2024</a:t>
+              <a:t>17-04-2024</a:t>
             </a:fld>
             <a:endParaRPr lang="en-IN"/>
           </a:p>
@@ -5374,7 +5392,7 @@
           <a:p>
             <a:fld id="{B1F8FD4C-AF1D-4F29-92A6-97777F9E01BE}" type="datetime1">
               <a:rPr lang="en-IN" smtClean="0"/>
-              <a:t>15-04-2024</a:t>
+              <a:t>17-04-2024</a:t>
             </a:fld>
             <a:endParaRPr lang="en-IN"/>
           </a:p>
@@ -5521,8 +5539,8 @@
         </p:blipFill>
         <p:spPr>
           <a:xfrm>
-            <a:off x="838200" y="3257006"/>
-            <a:ext cx="5587802" cy="1387698"/>
+            <a:off x="838200" y="3257005"/>
+            <a:ext cx="6557444" cy="1628503"/>
           </a:xfrm>
         </p:spPr>
       </p:pic>
@@ -5550,8 +5568,8 @@
         </p:blipFill>
         <p:spPr>
           <a:xfrm>
-            <a:off x="7372156" y="1981712"/>
-            <a:ext cx="2781688" cy="4039164"/>
+            <a:off x="7392101" y="1690688"/>
+            <a:ext cx="3213144" cy="4665662"/>
           </a:xfrm>
         </p:spPr>
       </p:pic>
@@ -5572,7 +5590,7 @@
           <a:p>
             <a:fld id="{3C3A6F3C-B4A4-4CA2-B33C-7836F9A45F29}" type="datetime1">
               <a:rPr lang="en-IN" smtClean="0"/>
-              <a:t>15-04-2024</a:t>
+              <a:t>17-04-2024</a:t>
             </a:fld>
             <a:endParaRPr lang="en-IN"/>
           </a:p>
@@ -5672,22 +5690,30 @@
           <a:lstStyle/>
           <a:p>
             <a:r>
-              <a:rPr lang="en-US" sz="3200" dirty="0"/>
+              <a:rPr lang="en-US" sz="3200" b="1" dirty="0"/>
               <a:t>3. What plan </a:t>
             </a:r>
             <a:r>
-              <a:rPr lang="en-US" sz="3200" dirty="0" err="1"/>
+              <a:rPr lang="en-US" sz="3200" b="1" dirty="0" err="1"/>
               <a:t>start_date</a:t>
             </a:r>
             <a:r>
-              <a:rPr lang="en-US" sz="3200" dirty="0"/>
-              <a:t> values occur after the year 2020 for our dataset? -- Show the breakdown by count of events for each </a:t>
-            </a:r>
-            <a:r>
-              <a:rPr lang="en-US" sz="3200" dirty="0" err="1"/>
+              <a:rPr lang="en-US" sz="3200" b="1" dirty="0"/>
+              <a:t> values occur after the year 2020 for our dataset? </a:t>
+            </a:r>
+            <a:r>
+              <a:rPr lang="en-US" sz="3200" b="1" dirty="0" smtClean="0"/>
+              <a:t>Show </a:t>
+            </a:r>
+            <a:r>
+              <a:rPr lang="en-US" sz="3200" b="1" dirty="0"/>
+              <a:t>the breakdown by count of events for each </a:t>
+            </a:r>
+            <a:r>
+              <a:rPr lang="en-US" sz="3200" b="1" dirty="0" err="1"/>
               <a:t>plan_name</a:t>
             </a:r>
-            <a:endParaRPr lang="en-IN" sz="3200" dirty="0"/>
+            <a:endParaRPr lang="en-IN" sz="3200" b="1" dirty="0"/>
           </a:p>
         </p:txBody>
       </p:sp>
@@ -5737,7 +5763,7 @@
           <a:p>
             <a:fld id="{B1F8FD4C-AF1D-4F29-92A6-97777F9E01BE}" type="datetime1">
               <a:rPr lang="en-IN" smtClean="0"/>
-              <a:t>15-04-2024</a:t>
+              <a:t>17-04-2024</a:t>
             </a:fld>
             <a:endParaRPr lang="en-IN"/>
           </a:p>
@@ -5890,7 +5916,7 @@
           <a:p>
             <a:fld id="{3C3A6F3C-B4A4-4CA2-B33C-7836F9A45F29}" type="datetime1">
               <a:rPr lang="en-IN" smtClean="0"/>
-              <a:t>15-04-2024</a:t>
+              <a:t>17-04-2024</a:t>
             </a:fld>
             <a:endParaRPr lang="en-IN"/>
           </a:p>
@@ -6051,7 +6077,7 @@
           <a:p>
             <a:fld id="{3C3A6F3C-B4A4-4CA2-B33C-7836F9A45F29}" type="datetime1">
               <a:rPr lang="en-IN" smtClean="0"/>
-              <a:t>15-04-2024</a:t>
+              <a:t>17-04-2024</a:t>
             </a:fld>
             <a:endParaRPr lang="en-IN"/>
           </a:p>
